--- a/doc/tfm_presentacion.pptx
+++ b/doc/tfm_presentacion.pptx
@@ -217,7 +217,6 @@
           </a:p>
         </c:rich>
       </c:tx>
-      <c:layout/>
       <c:overlay val="0"/>
     </c:title>
     <c:autoTitleDeleted val="0"/>
@@ -405,11 +404,11 @@
           <c:showBubbleSize val="0"/>
         </c:dLbls>
         <c:gapWidth val="150"/>
-        <c:axId val="257777024"/>
-        <c:axId val="257771536"/>
+        <c:axId val="251701088"/>
+        <c:axId val="251705792"/>
       </c:barChart>
       <c:catAx>
-        <c:axId val="257777024"/>
+        <c:axId val="251701088"/>
         <c:scaling>
           <c:orientation val="minMax"/>
         </c:scaling>
@@ -419,7 +418,7 @@
         <c:majorTickMark val="none"/>
         <c:minorTickMark val="none"/>
         <c:tickLblPos val="nextTo"/>
-        <c:crossAx val="257771536"/>
+        <c:crossAx val="251705792"/>
         <c:crosses val="autoZero"/>
         <c:auto val="1"/>
         <c:lblAlgn val="ctr"/>
@@ -427,7 +426,7 @@
         <c:noMultiLvlLbl val="0"/>
       </c:catAx>
       <c:valAx>
-        <c:axId val="257771536"/>
+        <c:axId val="251705792"/>
         <c:scaling>
           <c:orientation val="minMax"/>
           <c:max val="100"/>
@@ -439,14 +438,13 @@
         <c:majorTickMark val="none"/>
         <c:minorTickMark val="none"/>
         <c:tickLblPos val="nextTo"/>
-        <c:crossAx val="257777024"/>
+        <c:crossAx val="251701088"/>
         <c:crosses val="autoZero"/>
         <c:crossBetween val="between"/>
       </c:valAx>
     </c:plotArea>
     <c:legend>
       <c:legendPos val="r"/>
-      <c:layout/>
       <c:overlay val="0"/>
     </c:legend>
     <c:plotVisOnly val="1"/>
@@ -541,7 +539,7 @@
           <a:p>
             <a:fld id="{2ED78983-4671-4F09-9707-43E65EE3C78A}" type="datetimeFigureOut">
               <a:rPr lang="es-ES" smtClean="0"/>
-              <a:t>18/09/2016</a:t>
+              <a:t>22/09/2016</a:t>
             </a:fld>
             <a:endParaRPr lang="es-ES"/>
           </a:p>
@@ -1224,7 +1222,7 @@
             </a:pPr>
             <a:fld id="{54FE2AF1-5C29-4F74-B445-FD908E62D23B}" type="datetime1">
               <a:rPr lang="en-US" smtClean="0"/>
-              <a:t>9/18/2016</a:t>
+              <a:t>9/22/2016</a:t>
             </a:fld>
             <a:endParaRPr lang="en-US"/>
           </a:p>
@@ -1343,7 +1341,7 @@
             </a:pPr>
             <a:fld id="{78B039C9-C3FB-4D3C-98B7-1835575E83B4}" type="datetime1">
               <a:rPr lang="en-US" smtClean="0"/>
-              <a:t>9/18/2016</a:t>
+              <a:t>9/22/2016</a:t>
             </a:fld>
             <a:endParaRPr lang="en-US"/>
           </a:p>
@@ -1666,7 +1664,7 @@
             </a:pPr>
             <a:fld id="{38A04A81-7CDE-4AC5-896E-C019244CB0E9}" type="datetime1">
               <a:rPr lang="en-US" smtClean="0"/>
-              <a:t>9/18/2016</a:t>
+              <a:t>9/22/2016</a:t>
             </a:fld>
             <a:endParaRPr lang="en-US"/>
           </a:p>
@@ -1957,7 +1955,7 @@
             </a:pPr>
             <a:fld id="{B6363644-4113-454A-B241-7C32C5377D82}" type="datetime1">
               <a:rPr lang="en-US" smtClean="0"/>
-              <a:t>9/18/2016</a:t>
+              <a:t>9/22/2016</a:t>
             </a:fld>
             <a:endParaRPr lang="en-US"/>
           </a:p>
@@ -2344,7 +2342,7 @@
             </a:pPr>
             <a:fld id="{44CBD836-F0F3-4707-A795-A8FC1545121E}" type="datetime1">
               <a:rPr lang="en-US" smtClean="0"/>
-              <a:t>9/18/2016</a:t>
+              <a:t>9/22/2016</a:t>
             </a:fld>
             <a:endParaRPr lang="en-US"/>
           </a:p>
@@ -2554,7 +2552,7 @@
             </a:pPr>
             <a:fld id="{83B40B49-6FF3-4E19-81AE-F8C7967DD6AF}" type="datetime1">
               <a:rPr lang="en-US" smtClean="0"/>
-              <a:t>9/18/2016</a:t>
+              <a:t>9/22/2016</a:t>
             </a:fld>
             <a:endParaRPr lang="en-US"/>
           </a:p>
@@ -2769,7 +2767,7 @@
             </a:pPr>
             <a:fld id="{96B7BE86-91FA-4844-B1E8-8CE9C517BB04}" type="datetime1">
               <a:rPr lang="en-US" smtClean="0"/>
-              <a:t>9/18/2016</a:t>
+              <a:t>9/22/2016</a:t>
             </a:fld>
             <a:endParaRPr lang="en-US"/>
           </a:p>
@@ -2895,7 +2893,7 @@
             </a:pPr>
             <a:fld id="{645EAD30-A737-44F9-A888-C27BF6E71422}" type="datetime1">
               <a:rPr lang="en-US" smtClean="0"/>
-              <a:t>9/18/2016</a:t>
+              <a:t>9/22/2016</a:t>
             </a:fld>
             <a:endParaRPr lang="en-US"/>
           </a:p>
@@ -3088,7 +3086,7 @@
             </a:pPr>
             <a:fld id="{AE4FB5CC-6470-4881-938B-C6FD98A00F66}" type="datetime1">
               <a:rPr lang="en-US" smtClean="0"/>
-              <a:t>9/18/2016</a:t>
+              <a:t>9/22/2016</a:t>
             </a:fld>
             <a:endParaRPr lang="en-US"/>
           </a:p>
@@ -3414,7 +3412,7 @@
             </a:pPr>
             <a:fld id="{2529D7A2-0186-48D8-AA52-BC1F75F552B0}" type="datetime1">
               <a:rPr lang="en-US" smtClean="0"/>
-              <a:t>9/18/2016</a:t>
+              <a:t>9/22/2016</a:t>
             </a:fld>
             <a:endParaRPr lang="en-US"/>
           </a:p>
@@ -3734,7 +3732,7 @@
             </a:pPr>
             <a:fld id="{D3310941-6D12-4E00-B67A-E220345F4336}" type="datetime1">
               <a:rPr lang="en-US" smtClean="0"/>
-              <a:t>9/18/2016</a:t>
+              <a:t>9/22/2016</a:t>
             </a:fld>
             <a:endParaRPr lang="en-US"/>
           </a:p>
@@ -4199,7 +4197,7 @@
             </a:pPr>
             <a:fld id="{3FF90030-6DB2-43E5-AFA4-7B5D4938DAD2}" type="datetime1">
               <a:rPr lang="en-US" smtClean="0"/>
-              <a:t>9/18/2016</a:t>
+              <a:t>9/22/2016</a:t>
             </a:fld>
             <a:endParaRPr lang="en-US"/>
           </a:p>
@@ -4506,7 +4504,7 @@
             </a:pPr>
             <a:fld id="{90DA1ED3-72EC-4A3E-9310-6134CDD62148}" type="datetime1">
               <a:rPr lang="en-US" smtClean="0"/>
-              <a:t>9/18/2016</a:t>
+              <a:t>9/22/2016</a:t>
             </a:fld>
             <a:endParaRPr lang="en-US"/>
           </a:p>
@@ -4898,7 +4896,7 @@
             </a:pPr>
             <a:fld id="{39D76B49-8329-4A41-8693-C6648B401433}" type="datetime1">
               <a:rPr lang="en-US" smtClean="0"/>
-              <a:t>9/18/2016</a:t>
+              <a:t>9/22/2016</a:t>
             </a:fld>
             <a:endParaRPr lang="en-US"/>
           </a:p>
@@ -5503,7 +5501,7 @@
             </a:pPr>
             <a:fld id="{72852257-A9EF-4F98-B2FC-A78754F7C78C}" type="datetime1">
               <a:rPr lang="en-US" smtClean="0"/>
-              <a:t>9/18/2016</a:t>
+              <a:t>9/22/2016</a:t>
             </a:fld>
             <a:endParaRPr lang="en-US"/>
           </a:p>
@@ -5640,7 +5638,7 @@
             </a:pPr>
             <a:fld id="{0864C51E-E43F-45F7-A575-16CCD12B1CE3}" type="datetime1">
               <a:rPr lang="en-US" smtClean="0"/>
-              <a:t>9/18/2016</a:t>
+              <a:t>9/22/2016</a:t>
             </a:fld>
             <a:endParaRPr lang="en-US"/>
           </a:p>
@@ -5896,7 +5894,7 @@
             </a:pPr>
             <a:fld id="{FDB65C45-D96D-4393-A4F0-316C1508D830}" type="datetime1">
               <a:rPr lang="en-US" smtClean="0"/>
-              <a:t>9/18/2016</a:t>
+              <a:t>9/22/2016</a:t>
             </a:fld>
             <a:endParaRPr lang="en-US"/>
           </a:p>
@@ -6649,21 +6647,7 @@
                 <a:ea typeface="Harrington"/>
                 <a:cs typeface="Harrington"/>
               </a:rPr>
-              <a:t>:    Mario </a:t>
-            </a:r>
-            <a:r>
-              <a:rPr lang="es-ES" sz="2100" dirty="0" smtClean="0">
-                <a:effectLst>
-                  <a:outerShdw blurRad="38100" dist="38100" dir="2700000" algn="tl">
-                    <a:srgbClr val="000000">
-                      <a:alpha val="43137"/>
-                    </a:srgbClr>
-                  </a:outerShdw>
-                </a:effectLst>
-                <a:ea typeface="Harrington"/>
-                <a:cs typeface="Harrington"/>
-              </a:rPr>
-              <a:t>Herreros Díaz</a:t>
+              <a:t>:    Mario Herreros Díaz</a:t>
             </a:r>
           </a:p>
           <a:p>
@@ -10585,11 +10569,11 @@
   <p:clrMapOvr>
     <a:masterClrMapping/>
   </p:clrMapOvr>
-  <mc:AlternateContent xmlns:mc="http://schemas.openxmlformats.org/markup-compatibility/2006">
-    <mc:Choice xmlns:p14="http://schemas.microsoft.com/office/powerpoint/2010/main" Requires="p14">
+  <mc:AlternateContent xmlns:mc="http://schemas.openxmlformats.org/markup-compatibility/2006" xmlns:p14="http://schemas.microsoft.com/office/powerpoint/2010/main">
+    <mc:Choice Requires="p14">
       <p:transition spd="slow" p14:dur="2000"/>
     </mc:Choice>
-    <mc:Fallback>
+    <mc:Fallback xmlns="">
       <p:transition spd="slow"/>
     </mc:Fallback>
   </mc:AlternateContent>
@@ -11342,11 +11326,11 @@
   <p:clrMapOvr>
     <a:masterClrMapping/>
   </p:clrMapOvr>
-  <mc:AlternateContent xmlns:mc="http://schemas.openxmlformats.org/markup-compatibility/2006">
-    <mc:Choice xmlns:p14="http://schemas.microsoft.com/office/powerpoint/2010/main" Requires="p14">
+  <mc:AlternateContent xmlns:mc="http://schemas.openxmlformats.org/markup-compatibility/2006" xmlns:p14="http://schemas.microsoft.com/office/powerpoint/2010/main">
+    <mc:Choice Requires="p14">
       <p:transition spd="slow" p14:dur="2000"/>
     </mc:Choice>
-    <mc:Fallback>
+    <mc:Fallback xmlns="">
       <p:transition spd="slow"/>
     </mc:Fallback>
   </mc:AlternateContent>
@@ -14660,14 +14644,6 @@
               </a:rPr>
               <a:t>Arquitectura</a:t>
             </a:r>
-            <a:endParaRPr lang="es-ES_tradnl" sz="2400" dirty="0" smtClean="0">
-              <a:solidFill>
-                <a:schemeClr val="tx1">
-                  <a:lumMod val="65000"/>
-                  <a:lumOff val="35000"/>
-                </a:schemeClr>
-              </a:solidFill>
-            </a:endParaRPr>
           </a:p>
           <a:p>
             <a:pPr fontAlgn="auto">
@@ -14698,14 +14674,6 @@
               </a:rPr>
               <a:t> &amp; Demo</a:t>
             </a:r>
-            <a:endParaRPr lang="es-ES_tradnl" sz="2400" dirty="0" smtClean="0">
-              <a:solidFill>
-                <a:schemeClr val="tx1">
-                  <a:lumMod val="65000"/>
-                  <a:lumOff val="35000"/>
-                </a:schemeClr>
-              </a:solidFill>
-            </a:endParaRPr>
           </a:p>
           <a:p>
             <a:pPr fontAlgn="auto">
@@ -14725,14 +14693,6 @@
               </a:rPr>
               <a:t>Conclusiones</a:t>
             </a:r>
-            <a:endParaRPr lang="es-ES_tradnl" sz="2400" dirty="0" smtClean="0">
-              <a:solidFill>
-                <a:schemeClr val="tx1">
-                  <a:lumMod val="65000"/>
-                  <a:lumOff val="35000"/>
-                </a:schemeClr>
-              </a:solidFill>
-            </a:endParaRPr>
           </a:p>
           <a:p>
             <a:pPr fontAlgn="auto">
@@ -20791,38 +20751,43 @@
           <a:p>
             <a:r>
               <a:rPr lang="es-ES_tradnl" sz="2000" dirty="0" smtClean="0"/>
-              <a:t>Presencia de </a:t>
+              <a:t>Presencia de malware cada vez más especializado y </a:t>
             </a:r>
             <a:r>
               <a:rPr lang="es-ES_tradnl" sz="2000" dirty="0" smtClean="0"/>
-              <a:t>malware cada vez más especializado y complejo</a:t>
-            </a:r>
-            <a:endParaRPr lang="es-ES_tradnl" sz="1800" dirty="0" smtClean="0"/>
-          </a:p>
-          <a:p>
-            <a:r>
-              <a:rPr lang="es-ES_tradnl" sz="2000" b="1" i="1" dirty="0" err="1" smtClean="0"/>
+              <a:t>complejo (ofuscación, </a:t>
+            </a:r>
+            <a:r>
+              <a:rPr lang="es-ES_tradnl" sz="2000" dirty="0" err="1" smtClean="0"/>
+              <a:t>bypassing</a:t>
+            </a:r>
+            <a:r>
+              <a:rPr lang="es-ES_tradnl" sz="2000" dirty="0" smtClean="0"/>
+              <a:t>, …)</a:t>
+            </a:r>
+          </a:p>
+          <a:p>
+            <a:pPr lvl="1"/>
+            <a:endParaRPr lang="es-ES_tradnl" sz="1600" dirty="0" smtClean="0"/>
+          </a:p>
+          <a:p>
+            <a:r>
+              <a:rPr lang="es-ES_tradnl" sz="2000" dirty="0"/>
+              <a:t>Aparición de</a:t>
+            </a:r>
+            <a:r>
+              <a:rPr lang="es-ES_tradnl" sz="2000" b="1" dirty="0" smtClean="0"/>
+              <a:t> </a:t>
+            </a:r>
+            <a:r>
+              <a:rPr lang="es-ES_tradnl" sz="2000" b="1" dirty="0" err="1" smtClean="0"/>
               <a:t>Targeted</a:t>
             </a:r>
             <a:r>
-              <a:rPr lang="es-ES_tradnl" sz="2000" b="1" i="1" dirty="0" smtClean="0"/>
+              <a:rPr lang="es-ES_tradnl" sz="2000" b="1" dirty="0" smtClean="0"/>
               <a:t> Malware</a:t>
             </a:r>
-            <a:endParaRPr lang="es-ES_tradnl" sz="2000" b="1" i="1" dirty="0" smtClean="0"/>
-          </a:p>
-          <a:p>
-            <a:pPr lvl="1"/>
-            <a:r>
-              <a:rPr lang="es-ES_tradnl" sz="1800" dirty="0" smtClean="0"/>
-              <a:t>Inversión de grandes cantidades de tiempo</a:t>
-            </a:r>
-          </a:p>
-          <a:p>
-            <a:pPr lvl="1"/>
-            <a:r>
-              <a:rPr lang="es-ES_tradnl" sz="1800" dirty="0" smtClean="0"/>
-              <a:t>Labor costosa</a:t>
-            </a:r>
+            <a:endParaRPr lang="es-ES_tradnl" sz="2000" b="1" dirty="0" smtClean="0"/>
           </a:p>
         </p:txBody>
       </p:sp>
@@ -21637,38 +21602,6 @@
       </p:sp>
       <p:pic>
         <p:nvPicPr>
-          <p:cNvPr id="7" name="Imagen 4" descr="logo_uc3m.jpeg"/>
-          <p:cNvPicPr>
-            <a:picLocks noChangeAspect="1"/>
-          </p:cNvPicPr>
-          <p:nvPr/>
-        </p:nvPicPr>
-        <p:blipFill>
-          <a:blip r:embed="rId2"/>
-          <a:srcRect/>
-          <a:stretch>
-            <a:fillRect/>
-          </a:stretch>
-        </p:blipFill>
-        <p:spPr bwMode="auto">
-          <a:xfrm>
-            <a:off x="7964487" y="5645760"/>
-            <a:ext cx="1179513" cy="1179513"/>
-          </a:xfrm>
-          <a:prstGeom prst="rect">
-            <a:avLst/>
-          </a:prstGeom>
-          <a:noFill/>
-          <a:ln w="9525">
-            <a:noFill/>
-            <a:miter lim="800000"/>
-            <a:headEnd/>
-            <a:tailEnd/>
-          </a:ln>
-        </p:spPr>
-      </p:pic>
-      <p:pic>
-        <p:nvPicPr>
           <p:cNvPr id="1026" name="Picture 2" descr="C:\Users\mario\Downloads\ichart.png"/>
           <p:cNvPicPr>
             <a:picLocks noGrp="1" noChangeAspect="1" noChangeArrowheads="1"/>
@@ -21678,20 +21611,20 @@
           </p:nvPr>
         </p:nvPicPr>
         <p:blipFill rotWithShape="1">
-          <a:blip r:embed="rId3">
+          <a:blip r:embed="rId2">
             <a:extLst>
               <a:ext uri="{28A0092B-C50C-407E-A947-70E740481C1C}">
                 <a14:useLocalDpi xmlns:a14="http://schemas.microsoft.com/office/drawing/2010/main" val="0"/>
               </a:ext>
             </a:extLst>
           </a:blip>
-          <a:srcRect t="3256" b="9044"/>
+          <a:srcRect t="3256" r="68579" b="86193"/>
           <a:stretch/>
         </p:blipFill>
         <p:spPr bwMode="auto">
           <a:xfrm>
-            <a:off x="1933178" y="1655080"/>
-            <a:ext cx="5811044" cy="4719588"/>
+            <a:off x="6776958" y="1343948"/>
+            <a:ext cx="1777285" cy="552720"/>
           </a:xfrm>
           <a:prstGeom prst="rect">
             <a:avLst/>
@@ -21973,6 +21906,67 @@
           </a:p>
         </p:txBody>
       </p:sp>
+      <p:pic>
+        <p:nvPicPr>
+          <p:cNvPr id="8" name="Imagen 7"/>
+          <p:cNvPicPr/>
+          <p:nvPr/>
+        </p:nvPicPr>
+        <p:blipFill rotWithShape="1">
+          <a:blip r:embed="rId3"/>
+          <a:srcRect l="13053" t="16628" r="36677" b="31919"/>
+          <a:stretch/>
+        </p:blipFill>
+        <p:spPr bwMode="auto">
+          <a:xfrm>
+            <a:off x="457200" y="1896668"/>
+            <a:ext cx="8229600" cy="4384373"/>
+          </a:xfrm>
+          <a:prstGeom prst="rect">
+            <a:avLst/>
+          </a:prstGeom>
+          <a:ln>
+            <a:noFill/>
+          </a:ln>
+          <a:extLst>
+            <a:ext uri="{53640926-AAD7-44d8-BBD7-CCE9431645EC}">
+              <a14:shadowObscured xmlns:wpc="http://schemas.microsoft.com/office/word/2010/wordprocessingCanvas" xmlns:mc="http://schemas.openxmlformats.org/markup-compatibility/2006" xmlns:m="http://schemas.openxmlformats.org/officeDocument/2006/math" xmlns:wp14="http://schemas.microsoft.com/office/word/2010/wordprocessingDrawing" xmlns:wp="http://schemas.openxmlformats.org/drawingml/2006/wordprocessingDrawing" xmlns:w14="http://schemas.microsoft.com/office/word/2010/wordml" xmlns:w15="http://schemas.microsoft.com/office/word/2012/wordml" xmlns:wpg="http://schemas.microsoft.com/office/word/2010/wordprocessingGroup" xmlns:wpi="http://schemas.microsoft.com/office/word/2010/wordprocessingInk" xmlns:wne="http://schemas.microsoft.com/office/word/2006/wordml" xmlns:wps="http://schemas.microsoft.com/office/word/2010/wordprocessingShape" xmlns:pic="http://schemas.openxmlformats.org/drawingml/2006/picture" xmlns="" xmlns:mo="http://schemas.microsoft.com/office/mac/office/2008/main" xmlns:mv="urn:schemas-microsoft-com:mac:vml" xmlns:o="urn:schemas-microsoft-com:office:office" xmlns:v="urn:schemas-microsoft-com:vml" xmlns:w10="urn:schemas-microsoft-com:office:word" xmlns:w="http://schemas.openxmlformats.org/wordprocessingml/2006/main" xmlns:a14="http://schemas.microsoft.com/office/drawing/2010/main" xmlns:lc="http://schemas.openxmlformats.org/drawingml/2006/lockedCanvas"/>
+            </a:ext>
+          </a:extLst>
+        </p:spPr>
+      </p:pic>
+      <p:pic>
+        <p:nvPicPr>
+          <p:cNvPr id="7" name="Imagen 4" descr="logo_uc3m.jpeg"/>
+          <p:cNvPicPr>
+            <a:picLocks noChangeAspect="1"/>
+          </p:cNvPicPr>
+          <p:nvPr/>
+        </p:nvPicPr>
+        <p:blipFill>
+          <a:blip r:embed="rId4"/>
+          <a:srcRect/>
+          <a:stretch>
+            <a:fillRect/>
+          </a:stretch>
+        </p:blipFill>
+        <p:spPr bwMode="auto">
+          <a:xfrm>
+            <a:off x="7964487" y="5691285"/>
+            <a:ext cx="1179513" cy="1179513"/>
+          </a:xfrm>
+          <a:prstGeom prst="rect">
+            <a:avLst/>
+          </a:prstGeom>
+          <a:noFill/>
+          <a:ln w="9525">
+            <a:noFill/>
+            <a:miter lim="800000"/>
+            <a:headEnd/>
+            <a:tailEnd/>
+          </a:ln>
+        </p:spPr>
+      </p:pic>
     </p:spTree>
     <p:extLst>
       <p:ext uri="{BB962C8B-B14F-4D97-AF65-F5344CB8AC3E}">
@@ -22319,58 +22313,6 @@
           </a:ln>
         </p:spPr>
       </p:pic>
-      <p:pic>
-        <p:nvPicPr>
-          <p:cNvPr id="2050" name="Picture 2"/>
-          <p:cNvPicPr>
-            <a:picLocks noChangeAspect="1" noChangeArrowheads="1"/>
-          </p:cNvPicPr>
-          <p:nvPr/>
-        </p:nvPicPr>
-        <p:blipFill rotWithShape="1">
-          <a:blip r:embed="rId3">
-            <a:extLst>
-              <a:ext uri="{28A0092B-C50C-407E-A947-70E740481C1C}">
-                <a14:useLocalDpi xmlns:a14="http://schemas.microsoft.com/office/drawing/2010/main" val="0"/>
-              </a:ext>
-            </a:extLst>
-          </a:blip>
-          <a:srcRect l="5474" t="4796" r="6950" b="10815"/>
-          <a:stretch/>
-        </p:blipFill>
-        <p:spPr bwMode="auto">
-          <a:xfrm>
-            <a:off x="1816099" y="2273299"/>
-            <a:ext cx="6020178" cy="4081708"/>
-          </a:xfrm>
-          <a:prstGeom prst="rect">
-            <a:avLst/>
-          </a:prstGeom>
-          <a:noFill/>
-          <a:ln>
-            <a:noFill/>
-          </a:ln>
-          <a:extLst>
-            <a:ext uri="{909E8E84-426E-40DD-AFC4-6F175D3DCCD1}">
-              <a14:hiddenFill xmlns:a14="http://schemas.microsoft.com/office/drawing/2010/main">
-                <a:solidFill>
-                  <a:schemeClr val="accent1"/>
-                </a:solidFill>
-              </a14:hiddenFill>
-            </a:ext>
-            <a:ext uri="{91240B29-F687-4F45-9708-019B960494DF}">
-              <a14:hiddenLine xmlns:a14="http://schemas.microsoft.com/office/drawing/2010/main" w="9525">
-                <a:solidFill>
-                  <a:schemeClr val="tx1"/>
-                </a:solidFill>
-                <a:miter lim="800000"/>
-                <a:headEnd/>
-                <a:tailEnd/>
-              </a14:hiddenLine>
-            </a:ext>
-          </a:extLst>
-        </p:spPr>
-      </p:pic>
       <p:sp>
         <p:nvSpPr>
           <p:cNvPr id="9" name="5 Marcador de pie de página"/>
@@ -22636,6 +22578,71 @@
           </a:p>
         </p:txBody>
       </p:sp>
+      <p:pic>
+        <p:nvPicPr>
+          <p:cNvPr id="2" name="Imagen 1"/>
+          <p:cNvPicPr>
+            <a:picLocks noChangeAspect="1"/>
+          </p:cNvPicPr>
+          <p:nvPr/>
+        </p:nvPicPr>
+        <p:blipFill>
+          <a:blip r:embed="rId3"/>
+          <a:stretch>
+            <a:fillRect/>
+          </a:stretch>
+        </p:blipFill>
+        <p:spPr>
+          <a:xfrm>
+            <a:off x="1479997" y="1507149"/>
+            <a:ext cx="6184006" cy="4983228"/>
+          </a:xfrm>
+          <a:prstGeom prst="rect">
+            <a:avLst/>
+          </a:prstGeom>
+        </p:spPr>
+      </p:pic>
+      <p:pic>
+        <p:nvPicPr>
+          <p:cNvPr id="1026" name="Picture 2" descr="https://upload.wikimedia.org/wikipedia/commons/thumb/2/22/Symantec_logo10.svg/250px-Symantec_logo10.svg.png"/>
+          <p:cNvPicPr>
+            <a:picLocks noChangeAspect="1" noChangeArrowheads="1"/>
+          </p:cNvPicPr>
+          <p:nvPr/>
+        </p:nvPicPr>
+        <p:blipFill>
+          <a:blip r:embed="rId4">
+            <a:extLst>
+              <a:ext uri="{28A0092B-C50C-407E-A947-70E740481C1C}">
+                <a14:useLocalDpi xmlns:a14="http://schemas.microsoft.com/office/drawing/2010/main" val="0"/>
+              </a:ext>
+            </a:extLst>
+          </a:blip>
+          <a:srcRect/>
+          <a:stretch>
+            <a:fillRect/>
+          </a:stretch>
+        </p:blipFill>
+        <p:spPr bwMode="auto">
+          <a:xfrm>
+            <a:off x="6604859" y="1532747"/>
+            <a:ext cx="1059144" cy="334690"/>
+          </a:xfrm>
+          <a:prstGeom prst="rect">
+            <a:avLst/>
+          </a:prstGeom>
+          <a:noFill/>
+          <a:extLst>
+            <a:ext uri="{909E8E84-426E-40DD-AFC4-6F175D3DCCD1}">
+              <a14:hiddenFill xmlns:a14="http://schemas.microsoft.com/office/drawing/2010/main">
+                <a:solidFill>
+                  <a:srgbClr val="FFFFFF"/>
+                </a:solidFill>
+              </a14:hiddenFill>
+            </a:ext>
+          </a:extLst>
+        </p:spPr>
+      </p:pic>
     </p:spTree>
     <p:extLst>
       <p:ext uri="{BB962C8B-B14F-4D97-AF65-F5344CB8AC3E}">
@@ -22952,60 +22959,6 @@
       </p:sp>
       <p:pic>
         <p:nvPicPr>
-          <p:cNvPr id="1028" name="Picture 4"/>
-          <p:cNvPicPr>
-            <a:picLocks noChangeAspect="1" noChangeArrowheads="1"/>
-          </p:cNvPicPr>
-          <p:nvPr/>
-        </p:nvPicPr>
-        <p:blipFill>
-          <a:blip r:embed="rId2">
-            <a:extLst>
-              <a:ext uri="{28A0092B-C50C-407E-A947-70E740481C1C}">
-                <a14:useLocalDpi xmlns:a14="http://schemas.microsoft.com/office/drawing/2010/main" val="0"/>
-              </a:ext>
-            </a:extLst>
-          </a:blip>
-          <a:srcRect/>
-          <a:stretch>
-            <a:fillRect/>
-          </a:stretch>
-        </p:blipFill>
-        <p:spPr bwMode="auto">
-          <a:xfrm>
-            <a:off x="2896754" y="1697648"/>
-            <a:ext cx="6019800" cy="4657359"/>
-          </a:xfrm>
-          <a:prstGeom prst="rect">
-            <a:avLst/>
-          </a:prstGeom>
-          <a:noFill/>
-          <a:ln>
-            <a:noFill/>
-          </a:ln>
-          <a:extLst>
-            <a:ext uri="{909E8E84-426E-40DD-AFC4-6F175D3DCCD1}">
-              <a14:hiddenFill xmlns:a14="http://schemas.microsoft.com/office/drawing/2010/main">
-                <a:solidFill>
-                  <a:schemeClr val="accent1"/>
-                </a:solidFill>
-              </a14:hiddenFill>
-            </a:ext>
-            <a:ext uri="{91240B29-F687-4F45-9708-019B960494DF}">
-              <a14:hiddenLine xmlns:a14="http://schemas.microsoft.com/office/drawing/2010/main" w="9525">
-                <a:solidFill>
-                  <a:schemeClr val="tx1"/>
-                </a:solidFill>
-                <a:miter lim="800000"/>
-                <a:headEnd/>
-                <a:tailEnd/>
-              </a14:hiddenLine>
-            </a:ext>
-          </a:extLst>
-        </p:spPr>
-      </p:pic>
-      <p:pic>
-        <p:nvPicPr>
           <p:cNvPr id="7" name="Imagen 4" descr="logo_uc3m.jpeg"/>
           <p:cNvPicPr>
             <a:picLocks noChangeAspect="1"/>
@@ -23013,7 +22966,7 @@
           <p:nvPr/>
         </p:nvPicPr>
         <p:blipFill>
-          <a:blip r:embed="rId3"/>
+          <a:blip r:embed="rId2"/>
           <a:srcRect/>
           <a:stretch>
             <a:fillRect/>
@@ -23034,58 +22987,6 @@
             <a:headEnd/>
             <a:tailEnd/>
           </a:ln>
-        </p:spPr>
-      </p:pic>
-      <p:pic>
-        <p:nvPicPr>
-          <p:cNvPr id="1030" name="Picture 6"/>
-          <p:cNvPicPr>
-            <a:picLocks noChangeAspect="1" noChangeArrowheads="1"/>
-          </p:cNvPicPr>
-          <p:nvPr/>
-        </p:nvPicPr>
-        <p:blipFill rotWithShape="1">
-          <a:blip r:embed="rId4">
-            <a:extLst>
-              <a:ext uri="{28A0092B-C50C-407E-A947-70E740481C1C}">
-                <a14:useLocalDpi xmlns:a14="http://schemas.microsoft.com/office/drawing/2010/main" val="0"/>
-              </a:ext>
-            </a:extLst>
-          </a:blip>
-          <a:srcRect r="26437"/>
-          <a:stretch/>
-        </p:blipFill>
-        <p:spPr bwMode="auto">
-          <a:xfrm>
-            <a:off x="211430" y="1697648"/>
-            <a:ext cx="2685324" cy="4657359"/>
-          </a:xfrm>
-          <a:prstGeom prst="rect">
-            <a:avLst/>
-          </a:prstGeom>
-          <a:noFill/>
-          <a:ln>
-            <a:noFill/>
-          </a:ln>
-          <a:extLst>
-            <a:ext uri="{909E8E84-426E-40DD-AFC4-6F175D3DCCD1}">
-              <a14:hiddenFill xmlns:a14="http://schemas.microsoft.com/office/drawing/2010/main">
-                <a:solidFill>
-                  <a:schemeClr val="accent1"/>
-                </a:solidFill>
-              </a14:hiddenFill>
-            </a:ext>
-            <a:ext uri="{91240B29-F687-4F45-9708-019B960494DF}">
-              <a14:hiddenLine xmlns:a14="http://schemas.microsoft.com/office/drawing/2010/main" w="9525">
-                <a:solidFill>
-                  <a:schemeClr val="tx1"/>
-                </a:solidFill>
-                <a:miter lim="800000"/>
-                <a:headEnd/>
-                <a:tailEnd/>
-              </a14:hiddenLine>
-            </a:ext>
-          </a:extLst>
         </p:spPr>
       </p:pic>
       <p:sp>
@@ -23353,6 +23254,71 @@
           </a:p>
         </p:txBody>
       </p:sp>
+      <p:pic>
+        <p:nvPicPr>
+          <p:cNvPr id="10" name="Imagen 9"/>
+          <p:cNvPicPr>
+            <a:picLocks noChangeAspect="1"/>
+          </p:cNvPicPr>
+          <p:nvPr/>
+        </p:nvPicPr>
+        <p:blipFill>
+          <a:blip r:embed="rId3"/>
+          <a:stretch>
+            <a:fillRect/>
+          </a:stretch>
+        </p:blipFill>
+        <p:spPr>
+          <a:xfrm>
+            <a:off x="1563355" y="1507149"/>
+            <a:ext cx="6183745" cy="4952999"/>
+          </a:xfrm>
+          <a:prstGeom prst="rect">
+            <a:avLst/>
+          </a:prstGeom>
+        </p:spPr>
+      </p:pic>
+      <p:pic>
+        <p:nvPicPr>
+          <p:cNvPr id="12" name="Picture 2" descr="https://upload.wikimedia.org/wikipedia/commons/thumb/2/22/Symantec_logo10.svg/250px-Symantec_logo10.svg.png"/>
+          <p:cNvPicPr>
+            <a:picLocks noChangeAspect="1" noChangeArrowheads="1"/>
+          </p:cNvPicPr>
+          <p:nvPr/>
+        </p:nvPicPr>
+        <p:blipFill>
+          <a:blip r:embed="rId4">
+            <a:extLst>
+              <a:ext uri="{28A0092B-C50C-407E-A947-70E740481C1C}">
+                <a14:useLocalDpi xmlns:a14="http://schemas.microsoft.com/office/drawing/2010/main" val="0"/>
+              </a:ext>
+            </a:extLst>
+          </a:blip>
+          <a:srcRect/>
+          <a:stretch>
+            <a:fillRect/>
+          </a:stretch>
+        </p:blipFill>
+        <p:spPr bwMode="auto">
+          <a:xfrm>
+            <a:off x="6610539" y="1487488"/>
+            <a:ext cx="1136561" cy="359154"/>
+          </a:xfrm>
+          <a:prstGeom prst="rect">
+            <a:avLst/>
+          </a:prstGeom>
+          <a:noFill/>
+          <a:extLst>
+            <a:ext uri="{909E8E84-426E-40DD-AFC4-6F175D3DCCD1}">
+              <a14:hiddenFill xmlns:a14="http://schemas.microsoft.com/office/drawing/2010/main">
+                <a:solidFill>
+                  <a:srgbClr val="FFFFFF"/>
+                </a:solidFill>
+              </a14:hiddenFill>
+            </a:ext>
+          </a:extLst>
+        </p:spPr>
+      </p:pic>
     </p:spTree>
     <p:extLst>
       <p:ext uri="{BB962C8B-B14F-4D97-AF65-F5344CB8AC3E}">
@@ -23480,6 +23446,18 @@
               </a:rPr>
             </a:br>
             <a:r>
+              <a:rPr lang="es-ES_tradnl" dirty="0" err="1" smtClean="0">
+                <a:effectLst>
+                  <a:outerShdw blurRad="38100" dist="38100" dir="2700000" algn="tl">
+                    <a:srgbClr val="000000">
+                      <a:alpha val="43137"/>
+                    </a:srgbClr>
+                  </a:outerShdw>
+                </a:effectLst>
+              </a:rPr>
+              <a:t>Targeted</a:t>
+            </a:r>
+            <a:r>
               <a:rPr lang="es-ES_tradnl" dirty="0" smtClean="0">
                 <a:effectLst>
                   <a:outerShdw blurRad="38100" dist="38100" dir="2700000" algn="tl">
@@ -23489,7 +23467,19 @@
                   </a:outerShdw>
                 </a:effectLst>
               </a:rPr>
-              <a:t>Objetivos</a:t>
+              <a:t> Malware/</a:t>
+            </a:r>
+            <a:r>
+              <a:rPr lang="es-ES_tradnl" dirty="0" err="1" smtClean="0">
+                <a:effectLst>
+                  <a:outerShdw blurRad="38100" dist="38100" dir="2700000" algn="tl">
+                    <a:srgbClr val="000000">
+                      <a:alpha val="43137"/>
+                    </a:srgbClr>
+                  </a:outerShdw>
+                </a:effectLst>
+              </a:rPr>
+              <a:t>Greyware</a:t>
             </a:r>
             <a:endParaRPr lang="es-ES" sz="3600" dirty="0" smtClean="0">
               <a:effectLst>
